--- a/CUARTO/TFG/PresentacionTFG.pptx
+++ b/CUARTO/TFG/PresentacionTFG.pptx
@@ -5,20 +5,21 @@
     <p:sldMasterId id="2147483684" r:id="rId4"/>
   </p:sldMasterIdLst>
   <p:notesMasterIdLst>
-    <p:notesMasterId r:id="rId13"/>
+    <p:notesMasterId r:id="rId14"/>
   </p:notesMasterIdLst>
   <p:handoutMasterIdLst>
-    <p:handoutMasterId r:id="rId14"/>
+    <p:handoutMasterId r:id="rId15"/>
   </p:handoutMasterIdLst>
   <p:sldIdLst>
     <p:sldId id="257" r:id="rId5"/>
     <p:sldId id="346" r:id="rId6"/>
     <p:sldId id="274" r:id="rId7"/>
     <p:sldId id="362" r:id="rId8"/>
-    <p:sldId id="367" r:id="rId9"/>
-    <p:sldId id="368" r:id="rId10"/>
-    <p:sldId id="363" r:id="rId11"/>
-    <p:sldId id="375" r:id="rId12"/>
+    <p:sldId id="376" r:id="rId9"/>
+    <p:sldId id="367" r:id="rId10"/>
+    <p:sldId id="368" r:id="rId11"/>
+    <p:sldId id="363" r:id="rId12"/>
+    <p:sldId id="375" r:id="rId13"/>
   </p:sldIdLst>
   <p:sldSz cx="9144000" cy="6858000" type="screen4x3"/>
   <p:notesSz cx="7099300" cy="10234613"/>
@@ -274,7 +275,7 @@
               <a:pPr>
                 <a:defRPr/>
               </a:pPr>
-              <a:t>03/06/2022</a:t>
+              <a:t>06/06/2022</a:t>
             </a:fld>
             <a:endParaRPr lang="es-ES"/>
           </a:p>
@@ -3978,7 +3979,19 @@
               <a:rPr lang="es-ES" altLang="es-ES" dirty="0">
                 <a:latin typeface="Trebuchet MS" panose="020B0603020202020204" pitchFamily="34" charset="0"/>
               </a:rPr>
-              <a:t>Actividad física</a:t>
+              <a:t>Encuesta </a:t>
+            </a:r>
+            <a:r>
+              <a:rPr lang="es-ES" altLang="es-ES" dirty="0" err="1">
+                <a:latin typeface="Trebuchet MS" panose="020B0603020202020204" pitchFamily="34" charset="0"/>
+              </a:rPr>
+              <a:t>VIPFitter</a:t>
+            </a:r>
+            <a:r>
+              <a:rPr lang="es-ES" altLang="es-ES" dirty="0">
+                <a:latin typeface="Trebuchet MS" panose="020B0603020202020204" pitchFamily="34" charset="0"/>
+              </a:rPr>
+              <a:t> III</a:t>
             </a:r>
           </a:p>
         </p:txBody>
@@ -4037,10 +4050,10 @@
       </p:sp>
       <p:sp>
         <p:nvSpPr>
-          <p:cNvPr id="3" name="CuadroTexto 2">
+          <p:cNvPr id="7" name="CuadroTexto 6">
             <a:extLst>
               <a:ext uri="{FF2B5EF4-FFF2-40B4-BE49-F238E27FC236}">
-                <a16:creationId xmlns:a16="http://schemas.microsoft.com/office/drawing/2014/main" id="{3BC5321F-8215-481D-884A-A5678022E35D}"/>
+                <a16:creationId xmlns:a16="http://schemas.microsoft.com/office/drawing/2014/main" id="{0BEA102E-0B09-4271-8384-A185614E1869}"/>
               </a:ext>
             </a:extLst>
           </p:cNvPr>
@@ -4049,8 +4062,8 @@
         </p:nvSpPr>
         <p:spPr>
           <a:xfrm>
-            <a:off x="1547664" y="1268760"/>
-            <a:ext cx="8208912" cy="7386638"/>
+            <a:off x="2051720" y="1412776"/>
+            <a:ext cx="5904656" cy="4832092"/>
           </a:xfrm>
           <a:prstGeom prst="rect">
             <a:avLst/>
@@ -4063,146 +4076,126 @@
           </a:bodyPr>
           <a:lstStyle/>
           <a:p>
-            <a:endParaRPr lang="es-ES" sz="2800" b="1" dirty="0">
+            <a:r>
+              <a:rPr lang="es-ES" sz="4000" b="1" dirty="0">
+                <a:solidFill>
+                  <a:srgbClr val="FFC000"/>
+                </a:solidFill>
+                <a:latin typeface="Trebuchet MS" panose="020B0603020202020204" pitchFamily="34" charset="0"/>
+              </a:rPr>
+              <a:t>&gt; 70% </a:t>
+            </a:r>
+          </a:p>
+          <a:p>
+            <a:r>
+              <a:rPr lang="es-ES" sz="2000" b="1" dirty="0">
+                <a:solidFill>
+                  <a:schemeClr val="tx1">
+                    <a:lumMod val="50000"/>
+                    <a:lumOff val="50000"/>
+                  </a:schemeClr>
+                </a:solidFill>
+                <a:latin typeface="Trebuchet MS" panose="020B0603020202020204" pitchFamily="34" charset="0"/>
+              </a:rPr>
+              <a:t>Ofrecen servicios online</a:t>
+            </a:r>
+          </a:p>
+          <a:p>
+            <a:endParaRPr lang="es-ES" sz="2000" b="1" dirty="0">
               <a:latin typeface="Trebuchet MS" panose="020B0603020202020204" pitchFamily="34" charset="0"/>
             </a:endParaRPr>
           </a:p>
           <a:p>
             <a:r>
-              <a:rPr lang="es-ES" sz="3600" b="1" dirty="0">
+              <a:rPr lang="es-ES" sz="4000" b="1" dirty="0">
                 <a:solidFill>
                   <a:srgbClr val="FFC000"/>
                 </a:solidFill>
                 <a:latin typeface="Trebuchet MS" panose="020B0603020202020204" pitchFamily="34" charset="0"/>
               </a:rPr>
-              <a:t>+ 64% </a:t>
+              <a:t>~30% </a:t>
             </a:r>
           </a:p>
           <a:p>
             <a:r>
               <a:rPr lang="es-ES" sz="2000" b="1" dirty="0">
                 <a:solidFill>
-                  <a:schemeClr val="bg2">
-                    <a:lumMod val="75000"/>
+                  <a:schemeClr val="tx1">
+                    <a:lumMod val="50000"/>
+                    <a:lumOff val="50000"/>
                   </a:schemeClr>
                 </a:solidFill>
                 <a:latin typeface="Trebuchet MS" panose="020B0603020202020204" pitchFamily="34" charset="0"/>
               </a:rPr>
-              <a:t> online tras pandemia</a:t>
-            </a:r>
-          </a:p>
-          <a:p>
-            <a:endParaRPr lang="es-ES" sz="2800" b="1" dirty="0">
+              <a:t>Han aumentado ingresos</a:t>
+            </a:r>
+          </a:p>
+          <a:p>
+            <a:endParaRPr lang="es-ES" sz="2000" b="1" dirty="0">
               <a:latin typeface="Trebuchet MS" panose="020B0603020202020204" pitchFamily="34" charset="0"/>
             </a:endParaRPr>
           </a:p>
           <a:p>
             <a:r>
-              <a:rPr lang="es-ES" sz="3600" b="1" dirty="0">
+              <a:rPr lang="es-ES" sz="4000" b="1" dirty="0">
                 <a:solidFill>
                   <a:srgbClr val="FFC000"/>
                 </a:solidFill>
                 <a:latin typeface="Trebuchet MS" panose="020B0603020202020204" pitchFamily="34" charset="0"/>
               </a:rPr>
-              <a:t>+ 49% </a:t>
+              <a:t>25</a:t>
             </a:r>
           </a:p>
           <a:p>
             <a:r>
               <a:rPr lang="es-ES" sz="2000" b="1" dirty="0">
                 <a:solidFill>
-                  <a:schemeClr val="bg2">
-                    <a:lumMod val="75000"/>
+                  <a:schemeClr val="tx1">
+                    <a:lumMod val="50000"/>
+                    <a:lumOff val="50000"/>
                   </a:schemeClr>
                 </a:solidFill>
                 <a:latin typeface="Trebuchet MS" panose="020B0603020202020204" pitchFamily="34" charset="0"/>
               </a:rPr>
-              <a:t> online tras pandemia</a:t>
-            </a:r>
-          </a:p>
-          <a:p>
-            <a:endParaRPr lang="es-ES" sz="2800" b="1" dirty="0">
+              <a:t>2020</a:t>
+            </a:r>
+          </a:p>
+          <a:p>
+            <a:endParaRPr lang="es-ES" sz="2000" b="1" dirty="0">
               <a:latin typeface="Trebuchet MS" panose="020B0603020202020204" pitchFamily="34" charset="0"/>
             </a:endParaRPr>
           </a:p>
           <a:p>
             <a:r>
-              <a:rPr lang="es-ES" sz="3600" b="1" dirty="0">
+              <a:rPr lang="es-ES" sz="4000" b="1" dirty="0">
                 <a:solidFill>
                   <a:srgbClr val="FFC000"/>
                 </a:solidFill>
                 <a:latin typeface="Trebuchet MS" panose="020B0603020202020204" pitchFamily="34" charset="0"/>
               </a:rPr>
-              <a:t>+ 93% </a:t>
-            </a:r>
-          </a:p>
-          <a:p>
-            <a:r>
-              <a:rPr lang="es-ES" sz="1800" b="1" dirty="0">
-                <a:solidFill>
-                  <a:schemeClr val="bg2">
-                    <a:lumMod val="75000"/>
+              <a:t>13</a:t>
+            </a:r>
+          </a:p>
+          <a:p>
+            <a:r>
+              <a:rPr lang="es-ES" sz="2000" b="1" dirty="0">
+                <a:solidFill>
+                  <a:schemeClr val="tx1">
+                    <a:lumMod val="50000"/>
+                    <a:lumOff val="50000"/>
                   </a:schemeClr>
                 </a:solidFill>
                 <a:latin typeface="Trebuchet MS" panose="020B0603020202020204" pitchFamily="34" charset="0"/>
               </a:rPr>
-              <a:t> unificación herramientas</a:t>
-            </a:r>
-            <a:endParaRPr lang="es-ES" sz="1800" b="1" dirty="0">
-              <a:solidFill>
-                <a:schemeClr val="bg2">
-                  <a:lumMod val="75000"/>
-                </a:schemeClr>
-              </a:solidFill>
-              <a:latin typeface="Roboto" panose="02000000000000000000" pitchFamily="2" charset="0"/>
-            </a:endParaRPr>
-          </a:p>
-          <a:p>
-            <a:endParaRPr lang="es-ES" sz="2800" b="1" dirty="0">
-              <a:latin typeface="Trebuchet MS" panose="020B0603020202020204" pitchFamily="34" charset="0"/>
-            </a:endParaRPr>
-          </a:p>
-          <a:p>
-            <a:endParaRPr lang="es-ES" sz="2800" b="1" dirty="0">
-              <a:latin typeface="Trebuchet MS" panose="020B0603020202020204" pitchFamily="34" charset="0"/>
-            </a:endParaRPr>
-          </a:p>
-          <a:p>
-            <a:endParaRPr lang="es-ES" sz="2800" b="1" dirty="0">
-              <a:latin typeface="Trebuchet MS" panose="020B0603020202020204" pitchFamily="34" charset="0"/>
-            </a:endParaRPr>
-          </a:p>
-          <a:p>
-            <a:endParaRPr lang="es-ES" sz="2800" b="1" dirty="0">
-              <a:latin typeface="Trebuchet MS" panose="020B0603020202020204" pitchFamily="34" charset="0"/>
-            </a:endParaRPr>
-          </a:p>
-          <a:p>
-            <a:endParaRPr lang="es-ES" sz="2800" b="1" dirty="0">
-              <a:latin typeface="Trebuchet MS" panose="020B0603020202020204" pitchFamily="34" charset="0"/>
-            </a:endParaRPr>
-          </a:p>
-          <a:p>
-            <a:endParaRPr lang="es-ES" sz="2800" b="1" dirty="0">
-              <a:latin typeface="Trebuchet MS" panose="020B0603020202020204" pitchFamily="34" charset="0"/>
-            </a:endParaRPr>
-          </a:p>
-          <a:p>
-            <a:endParaRPr lang="es-ES" sz="2800" b="1" dirty="0">
-              <a:latin typeface="Trebuchet MS" panose="020B0603020202020204" pitchFamily="34" charset="0"/>
-            </a:endParaRPr>
-          </a:p>
-          <a:p>
-            <a:endParaRPr lang="es-ES" sz="2800" b="1" dirty="0">
-              <a:latin typeface="Trebuchet MS" panose="020B0603020202020204" pitchFamily="34" charset="0"/>
-            </a:endParaRPr>
+              <a:t>2021</a:t>
+            </a:r>
           </a:p>
         </p:txBody>
       </p:sp>
     </p:spTree>
     <p:extLst>
       <p:ext uri="{BB962C8B-B14F-4D97-AF65-F5344CB8AC3E}">
-        <p14:creationId xmlns:p14="http://schemas.microsoft.com/office/powerpoint/2010/main" val="2731816461"/>
+        <p14:creationId xmlns:p14="http://schemas.microsoft.com/office/powerpoint/2010/main" val="1569100952"/>
       </p:ext>
     </p:extLst>
   </p:cSld>
@@ -4232,118 +4225,7 @@
       </p:grpSpPr>
       <p:sp>
         <p:nvSpPr>
-          <p:cNvPr id="3" name="Marcador de contenido 2">
-            <a:extLst>
-              <a:ext uri="{FF2B5EF4-FFF2-40B4-BE49-F238E27FC236}">
-                <a16:creationId xmlns:a16="http://schemas.microsoft.com/office/drawing/2014/main" id="{31065711-AE60-4E95-B9C6-8F492C6CC157}"/>
-              </a:ext>
-            </a:extLst>
-          </p:cNvPr>
-          <p:cNvSpPr>
-            <a:spLocks noGrp="1"/>
-          </p:cNvSpPr>
-          <p:nvPr>
-            <p:ph idx="1"/>
-          </p:nvPr>
-        </p:nvSpPr>
-        <p:spPr>
-          <a:xfrm>
-            <a:off x="933407" y="1878505"/>
-            <a:ext cx="7912188" cy="3100989"/>
-          </a:xfrm>
-        </p:spPr>
-        <p:txBody>
-          <a:bodyPr/>
-          <a:lstStyle/>
-          <a:p>
-            <a:r>
-              <a:rPr lang="es-ES" sz="3200" dirty="0">
-                <a:latin typeface="Trebuchet MS" panose="020B0603020202020204" pitchFamily="34" charset="0"/>
-              </a:rPr>
-              <a:t>herramienta </a:t>
-            </a:r>
-            <a:r>
-              <a:rPr lang="es-ES" sz="3200" dirty="0">
-                <a:solidFill>
-                  <a:srgbClr val="FFC000"/>
-                </a:solidFill>
-                <a:latin typeface="Trebuchet MS" panose="020B0603020202020204" pitchFamily="34" charset="0"/>
-              </a:rPr>
-              <a:t>homogénea</a:t>
-            </a:r>
-          </a:p>
-          <a:p>
-            <a:endParaRPr lang="es-ES" sz="3200" dirty="0">
-              <a:latin typeface="Trebuchet MS" panose="020B0603020202020204" pitchFamily="34" charset="0"/>
-            </a:endParaRPr>
-          </a:p>
-          <a:p>
-            <a:r>
-              <a:rPr lang="es-ES" sz="3200" dirty="0">
-                <a:latin typeface="Trebuchet MS" panose="020B0603020202020204" pitchFamily="34" charset="0"/>
-              </a:rPr>
-              <a:t>servicios en </a:t>
-            </a:r>
-            <a:r>
-              <a:rPr lang="es-ES" sz="3200" dirty="0">
-                <a:solidFill>
-                  <a:srgbClr val="FFC000"/>
-                </a:solidFill>
-                <a:latin typeface="Trebuchet MS" panose="020B0603020202020204" pitchFamily="34" charset="0"/>
-              </a:rPr>
-              <a:t>una plataforma</a:t>
-            </a:r>
-          </a:p>
-          <a:p>
-            <a:endParaRPr lang="es-ES" dirty="0">
-              <a:latin typeface="Trebuchet MS" panose="020B0603020202020204" pitchFamily="34" charset="0"/>
-            </a:endParaRPr>
-          </a:p>
-          <a:p>
-            <a:r>
-              <a:rPr lang="es-ES" dirty="0">
-                <a:latin typeface="Trebuchet MS" panose="020B0603020202020204" pitchFamily="34" charset="0"/>
-              </a:rPr>
-              <a:t>c</a:t>
-            </a:r>
-            <a:r>
-              <a:rPr lang="es-ES" sz="3200" dirty="0">
-                <a:latin typeface="Trebuchet MS" panose="020B0603020202020204" pitchFamily="34" charset="0"/>
-              </a:rPr>
-              <a:t>orroboramos la </a:t>
-            </a:r>
-            <a:r>
-              <a:rPr lang="es-ES" sz="3200" dirty="0">
-                <a:solidFill>
-                  <a:srgbClr val="FFC000"/>
-                </a:solidFill>
-                <a:latin typeface="Trebuchet MS" panose="020B0603020202020204" pitchFamily="34" charset="0"/>
-              </a:rPr>
-              <a:t>digitalización</a:t>
-            </a:r>
-            <a:r>
-              <a:rPr lang="es-ES" sz="3200" dirty="0">
-                <a:latin typeface="Trebuchet MS" panose="020B0603020202020204" pitchFamily="34" charset="0"/>
-              </a:rPr>
-              <a:t> del sector</a:t>
-            </a:r>
-          </a:p>
-          <a:p>
-            <a:endParaRPr lang="es-ES" dirty="0">
-              <a:latin typeface="Trebuchet MS" panose="020B0603020202020204" pitchFamily="34" charset="0"/>
-            </a:endParaRPr>
-          </a:p>
-        </p:txBody>
-      </p:sp>
-      <p:sp>
-        <p:nvSpPr>
-          <p:cNvPr id="4" name="7 Título">
-            <a:extLst>
-              <a:ext uri="{FF2B5EF4-FFF2-40B4-BE49-F238E27FC236}">
-                <a16:creationId xmlns:a16="http://schemas.microsoft.com/office/drawing/2014/main" id="{7681F7EE-0FD7-4C57-903C-CF43CA6A3559}"/>
-              </a:ext>
-            </a:extLst>
-          </p:cNvPr>
+          <p:cNvPr id="9218" name="1 Título"/>
           <p:cNvSpPr>
             <a:spLocks noGrp="1"/>
           </p:cNvSpPr>
@@ -4351,35 +4233,17 @@
             <p:ph type="title"/>
           </p:nvPr>
         </p:nvSpPr>
-        <p:spPr>
-          <a:xfrm>
-            <a:off x="933450" y="80963"/>
-            <a:ext cx="7912100" cy="1016000"/>
-          </a:xfrm>
-          <a:ln w="9525"/>
-        </p:spPr>
+        <p:spPr/>
         <p:txBody>
           <a:bodyPr/>
           <a:lstStyle/>
           <a:p>
             <a:r>
-              <a:rPr lang="es-ES" altLang="es-ES" sz="4400" dirty="0">
-                <a:solidFill>
-                  <a:srgbClr val="FFC000"/>
-                </a:solidFill>
-                <a:latin typeface="+mn-lt"/>
+              <a:rPr lang="es-ES" altLang="es-ES" dirty="0">
+                <a:latin typeface="Trebuchet MS" panose="020B0603020202020204" pitchFamily="34" charset="0"/>
               </a:rPr>
-              <a:t>MYPOCKET</a:t>
-            </a:r>
-            <a:r>
-              <a:rPr lang="es-ES" altLang="es-ES" sz="4400" dirty="0">
-                <a:latin typeface="+mn-lt"/>
-              </a:rPr>
-              <a:t>TRAINER</a:t>
-            </a:r>
-            <a:endParaRPr lang="es-ES" altLang="es-ES" sz="4400" b="0" dirty="0">
-              <a:latin typeface="+mn-lt"/>
-            </a:endParaRPr>
+              <a:t>Actividad física</a:t>
+            </a:r>
           </a:p>
         </p:txBody>
       </p:sp>
@@ -4388,7 +4252,7 @@
           <p:cNvPr id="2" name="Rectángulo 1">
             <a:extLst>
               <a:ext uri="{FF2B5EF4-FFF2-40B4-BE49-F238E27FC236}">
-                <a16:creationId xmlns:a16="http://schemas.microsoft.com/office/drawing/2014/main" id="{F6889641-ED9D-DE7B-4F2D-A90661D8AC07}"/>
+                <a16:creationId xmlns:a16="http://schemas.microsoft.com/office/drawing/2014/main" id="{1BC0152A-2CE1-4BB2-A371-E02E103A6405}"/>
               </a:ext>
             </a:extLst>
           </p:cNvPr>
@@ -4397,8 +4261,8 @@
         </p:nvSpPr>
         <p:spPr>
           <a:xfrm>
-            <a:off x="971600" y="6489675"/>
-            <a:ext cx="1944216" cy="323701"/>
+            <a:off x="933319" y="6453336"/>
+            <a:ext cx="7023057" cy="404664"/>
           </a:xfrm>
           <a:prstGeom prst="rect">
             <a:avLst/>
@@ -4407,9 +4271,7 @@
             <a:schemeClr val="bg1"/>
           </a:solidFill>
           <a:ln>
-            <a:solidFill>
-              <a:schemeClr val="bg1"/>
-            </a:solidFill>
+            <a:noFill/>
           </a:ln>
         </p:spPr>
         <p:style>
@@ -4439,68 +4301,179 @@
       </p:sp>
       <p:sp>
         <p:nvSpPr>
-          <p:cNvPr id="5" name="Rectángulo 4">
+          <p:cNvPr id="3" name="CuadroTexto 2">
             <a:extLst>
               <a:ext uri="{FF2B5EF4-FFF2-40B4-BE49-F238E27FC236}">
-                <a16:creationId xmlns:a16="http://schemas.microsoft.com/office/drawing/2014/main" id="{88D95B33-4B6D-B229-C395-28E7EF7E4DB4}"/>
+                <a16:creationId xmlns:a16="http://schemas.microsoft.com/office/drawing/2014/main" id="{3BC5321F-8215-481D-884A-A5678022E35D}"/>
               </a:ext>
             </a:extLst>
           </p:cNvPr>
-          <p:cNvSpPr/>
+          <p:cNvSpPr txBox="1"/>
           <p:nvPr/>
         </p:nvSpPr>
         <p:spPr>
           <a:xfrm>
-            <a:off x="6201665" y="6488183"/>
-            <a:ext cx="1944216" cy="323701"/>
+            <a:off x="1547664" y="1268760"/>
+            <a:ext cx="8208912" cy="7386638"/>
           </a:xfrm>
           <a:prstGeom prst="rect">
             <a:avLst/>
           </a:prstGeom>
-          <a:solidFill>
-            <a:schemeClr val="bg1"/>
-          </a:solidFill>
-          <a:ln>
-            <a:solidFill>
-              <a:schemeClr val="bg1"/>
-            </a:solidFill>
-          </a:ln>
-        </p:spPr>
-        <p:style>
-          <a:lnRef idx="2">
-            <a:schemeClr val="accent1">
-              <a:shade val="50000"/>
-            </a:schemeClr>
-          </a:lnRef>
-          <a:fillRef idx="1">
-            <a:schemeClr val="accent1"/>
-          </a:fillRef>
-          <a:effectRef idx="0">
-            <a:schemeClr val="accent1"/>
-          </a:effectRef>
-          <a:fontRef idx="minor">
-            <a:schemeClr val="lt1"/>
-          </a:fontRef>
-        </p:style>
-        <p:txBody>
-          <a:bodyPr rtlCol="0" anchor="ctr"/>
+          <a:noFill/>
+        </p:spPr>
+        <p:txBody>
+          <a:bodyPr wrap="square" rtlCol="0">
+            <a:spAutoFit/>
+          </a:bodyPr>
           <a:lstStyle/>
           <a:p>
-            <a:pPr algn="ctr"/>
-            <a:endParaRPr lang="es-ES"/>
+            <a:endParaRPr lang="es-ES" sz="2800" b="1" dirty="0">
+              <a:latin typeface="Trebuchet MS" panose="020B0603020202020204" pitchFamily="34" charset="0"/>
+            </a:endParaRPr>
+          </a:p>
+          <a:p>
+            <a:r>
+              <a:rPr lang="es-ES" sz="3600" b="1" dirty="0">
+                <a:solidFill>
+                  <a:srgbClr val="FFC000"/>
+                </a:solidFill>
+                <a:latin typeface="Trebuchet MS" panose="020B0603020202020204" pitchFamily="34" charset="0"/>
+              </a:rPr>
+              <a:t>+ 64% </a:t>
+            </a:r>
+          </a:p>
+          <a:p>
+            <a:r>
+              <a:rPr lang="es-ES" sz="2000" b="1" dirty="0">
+                <a:solidFill>
+                  <a:schemeClr val="bg2">
+                    <a:lumMod val="75000"/>
+                  </a:schemeClr>
+                </a:solidFill>
+                <a:latin typeface="Trebuchet MS" panose="020B0603020202020204" pitchFamily="34" charset="0"/>
+              </a:rPr>
+              <a:t> online tras pandemia</a:t>
+            </a:r>
+          </a:p>
+          <a:p>
+            <a:endParaRPr lang="es-ES" sz="2800" b="1" dirty="0">
+              <a:latin typeface="Trebuchet MS" panose="020B0603020202020204" pitchFamily="34" charset="0"/>
+            </a:endParaRPr>
+          </a:p>
+          <a:p>
+            <a:r>
+              <a:rPr lang="es-ES" sz="3600" b="1" dirty="0">
+                <a:solidFill>
+                  <a:srgbClr val="FFC000"/>
+                </a:solidFill>
+                <a:latin typeface="Trebuchet MS" panose="020B0603020202020204" pitchFamily="34" charset="0"/>
+              </a:rPr>
+              <a:t>+ 49% </a:t>
+            </a:r>
+          </a:p>
+          <a:p>
+            <a:r>
+              <a:rPr lang="es-ES" sz="2000" b="1" dirty="0">
+                <a:solidFill>
+                  <a:schemeClr val="bg2">
+                    <a:lumMod val="75000"/>
+                  </a:schemeClr>
+                </a:solidFill>
+                <a:latin typeface="Trebuchet MS" panose="020B0603020202020204" pitchFamily="34" charset="0"/>
+              </a:rPr>
+              <a:t> online tras pandemia</a:t>
+            </a:r>
+          </a:p>
+          <a:p>
+            <a:endParaRPr lang="es-ES" sz="2800" b="1" dirty="0">
+              <a:latin typeface="Trebuchet MS" panose="020B0603020202020204" pitchFamily="34" charset="0"/>
+            </a:endParaRPr>
+          </a:p>
+          <a:p>
+            <a:r>
+              <a:rPr lang="es-ES" sz="3600" b="1" dirty="0">
+                <a:solidFill>
+                  <a:srgbClr val="FFC000"/>
+                </a:solidFill>
+                <a:latin typeface="Trebuchet MS" panose="020B0603020202020204" pitchFamily="34" charset="0"/>
+              </a:rPr>
+              <a:t>+ 93% </a:t>
+            </a:r>
+          </a:p>
+          <a:p>
+            <a:r>
+              <a:rPr lang="es-ES" sz="1800" b="1" dirty="0">
+                <a:solidFill>
+                  <a:schemeClr val="bg2">
+                    <a:lumMod val="75000"/>
+                  </a:schemeClr>
+                </a:solidFill>
+                <a:latin typeface="Trebuchet MS" panose="020B0603020202020204" pitchFamily="34" charset="0"/>
+              </a:rPr>
+              <a:t> unificación herramientas</a:t>
+            </a:r>
+            <a:endParaRPr lang="es-ES" sz="1800" b="1" dirty="0">
+              <a:solidFill>
+                <a:schemeClr val="bg2">
+                  <a:lumMod val="75000"/>
+                </a:schemeClr>
+              </a:solidFill>
+              <a:latin typeface="Roboto" panose="02000000000000000000" pitchFamily="2" charset="0"/>
+            </a:endParaRPr>
+          </a:p>
+          <a:p>
+            <a:endParaRPr lang="es-ES" sz="2800" b="1" dirty="0">
+              <a:latin typeface="Trebuchet MS" panose="020B0603020202020204" pitchFamily="34" charset="0"/>
+            </a:endParaRPr>
+          </a:p>
+          <a:p>
+            <a:endParaRPr lang="es-ES" sz="2800" b="1" dirty="0">
+              <a:latin typeface="Trebuchet MS" panose="020B0603020202020204" pitchFamily="34" charset="0"/>
+            </a:endParaRPr>
+          </a:p>
+          <a:p>
+            <a:endParaRPr lang="es-ES" sz="2800" b="1" dirty="0">
+              <a:latin typeface="Trebuchet MS" panose="020B0603020202020204" pitchFamily="34" charset="0"/>
+            </a:endParaRPr>
+          </a:p>
+          <a:p>
+            <a:endParaRPr lang="es-ES" sz="2800" b="1" dirty="0">
+              <a:latin typeface="Trebuchet MS" panose="020B0603020202020204" pitchFamily="34" charset="0"/>
+            </a:endParaRPr>
+          </a:p>
+          <a:p>
+            <a:endParaRPr lang="es-ES" sz="2800" b="1" dirty="0">
+              <a:latin typeface="Trebuchet MS" panose="020B0603020202020204" pitchFamily="34" charset="0"/>
+            </a:endParaRPr>
+          </a:p>
+          <a:p>
+            <a:endParaRPr lang="es-ES" sz="2800" b="1" dirty="0">
+              <a:latin typeface="Trebuchet MS" panose="020B0603020202020204" pitchFamily="34" charset="0"/>
+            </a:endParaRPr>
+          </a:p>
+          <a:p>
+            <a:endParaRPr lang="es-ES" sz="2800" b="1" dirty="0">
+              <a:latin typeface="Trebuchet MS" panose="020B0603020202020204" pitchFamily="34" charset="0"/>
+            </a:endParaRPr>
+          </a:p>
+          <a:p>
+            <a:endParaRPr lang="es-ES" sz="2800" b="1" dirty="0">
+              <a:latin typeface="Trebuchet MS" panose="020B0603020202020204" pitchFamily="34" charset="0"/>
+            </a:endParaRPr>
           </a:p>
         </p:txBody>
       </p:sp>
     </p:spTree>
     <p:extLst>
       <p:ext uri="{BB962C8B-B14F-4D97-AF65-F5344CB8AC3E}">
-        <p14:creationId xmlns:p14="http://schemas.microsoft.com/office/powerpoint/2010/main" val="458804686"/>
+        <p14:creationId xmlns:p14="http://schemas.microsoft.com/office/powerpoint/2010/main" val="2731816461"/>
       </p:ext>
     </p:extLst>
   </p:cSld>
   <p:clrMapOvr>
     <a:masterClrMapping/>
   </p:clrMapOvr>
+  <p:transition spd="slow"/>
 </p:sld>
 </file>
 
@@ -4523,6 +4496,319 @@
       </p:grpSpPr>
       <p:sp>
         <p:nvSpPr>
+          <p:cNvPr id="3" name="Marcador de contenido 2">
+            <a:extLst>
+              <a:ext uri="{FF2B5EF4-FFF2-40B4-BE49-F238E27FC236}">
+                <a16:creationId xmlns:a16="http://schemas.microsoft.com/office/drawing/2014/main" id="{31065711-AE60-4E95-B9C6-8F492C6CC157}"/>
+              </a:ext>
+            </a:extLst>
+          </p:cNvPr>
+          <p:cNvSpPr>
+            <a:spLocks noGrp="1"/>
+          </p:cNvSpPr>
+          <p:nvPr>
+            <p:ph idx="1"/>
+          </p:nvPr>
+        </p:nvSpPr>
+        <p:spPr>
+          <a:xfrm>
+            <a:off x="933407" y="1878505"/>
+            <a:ext cx="7912188" cy="4358807"/>
+          </a:xfrm>
+        </p:spPr>
+        <p:txBody>
+          <a:bodyPr/>
+          <a:lstStyle/>
+          <a:p>
+            <a:r>
+              <a:rPr lang="es-ES" sz="3200" dirty="0">
+                <a:latin typeface="Trebuchet MS" panose="020B0603020202020204" pitchFamily="34" charset="0"/>
+              </a:rPr>
+              <a:t>herramienta </a:t>
+            </a:r>
+            <a:r>
+              <a:rPr lang="es-ES" sz="3200" dirty="0">
+                <a:solidFill>
+                  <a:srgbClr val="FFC000"/>
+                </a:solidFill>
+                <a:latin typeface="Trebuchet MS" panose="020B0603020202020204" pitchFamily="34" charset="0"/>
+              </a:rPr>
+              <a:t>homogénea</a:t>
+            </a:r>
+          </a:p>
+          <a:p>
+            <a:endParaRPr lang="es-ES" sz="3200" dirty="0">
+              <a:latin typeface="Trebuchet MS" panose="020B0603020202020204" pitchFamily="34" charset="0"/>
+            </a:endParaRPr>
+          </a:p>
+          <a:p>
+            <a:r>
+              <a:rPr lang="es-ES" sz="3200" dirty="0">
+                <a:latin typeface="Trebuchet MS" panose="020B0603020202020204" pitchFamily="34" charset="0"/>
+              </a:rPr>
+              <a:t>servicios en </a:t>
+            </a:r>
+            <a:r>
+              <a:rPr lang="es-ES" sz="3200" dirty="0">
+                <a:solidFill>
+                  <a:srgbClr val="FFC000"/>
+                </a:solidFill>
+                <a:latin typeface="Trebuchet MS" panose="020B0603020202020204" pitchFamily="34" charset="0"/>
+              </a:rPr>
+              <a:t>una plataforma</a:t>
+            </a:r>
+          </a:p>
+          <a:p>
+            <a:endParaRPr lang="es-ES" dirty="0">
+              <a:latin typeface="Trebuchet MS" panose="020B0603020202020204" pitchFamily="34" charset="0"/>
+            </a:endParaRPr>
+          </a:p>
+          <a:p>
+            <a:r>
+              <a:rPr lang="es-ES" dirty="0">
+                <a:latin typeface="Trebuchet MS" panose="020B0603020202020204" pitchFamily="34" charset="0"/>
+              </a:rPr>
+              <a:t>c</a:t>
+            </a:r>
+            <a:r>
+              <a:rPr lang="es-ES" sz="3200" dirty="0">
+                <a:latin typeface="Trebuchet MS" panose="020B0603020202020204" pitchFamily="34" charset="0"/>
+              </a:rPr>
+              <a:t>orroboramos la </a:t>
+            </a:r>
+            <a:r>
+              <a:rPr lang="es-ES" sz="3200" dirty="0">
+                <a:solidFill>
+                  <a:srgbClr val="FFC000"/>
+                </a:solidFill>
+                <a:latin typeface="Trebuchet MS" panose="020B0603020202020204" pitchFamily="34" charset="0"/>
+              </a:rPr>
+              <a:t>digitalización</a:t>
+            </a:r>
+            <a:r>
+              <a:rPr lang="es-ES" sz="3200" dirty="0">
+                <a:latin typeface="Trebuchet MS" panose="020B0603020202020204" pitchFamily="34" charset="0"/>
+              </a:rPr>
+              <a:t> del sector</a:t>
+            </a:r>
+          </a:p>
+          <a:p>
+            <a:endParaRPr lang="es-ES" dirty="0">
+              <a:latin typeface="Trebuchet MS" panose="020B0603020202020204" pitchFamily="34" charset="0"/>
+            </a:endParaRPr>
+          </a:p>
+          <a:p>
+            <a:r>
+              <a:rPr lang="es-ES" sz="3200" dirty="0">
+                <a:solidFill>
+                  <a:srgbClr val="FFC000"/>
+                </a:solidFill>
+                <a:latin typeface="Trebuchet MS" panose="020B0603020202020204" pitchFamily="34" charset="0"/>
+              </a:rPr>
+              <a:t>amplio</a:t>
+            </a:r>
+            <a:r>
+              <a:rPr lang="es-ES" sz="3200" dirty="0">
+                <a:latin typeface="Trebuchet MS" panose="020B0603020202020204" pitchFamily="34" charset="0"/>
+              </a:rPr>
+              <a:t> espectro de usuarios</a:t>
+            </a:r>
+          </a:p>
+          <a:p>
+            <a:endParaRPr lang="es-ES" dirty="0">
+              <a:latin typeface="Trebuchet MS" panose="020B0603020202020204" pitchFamily="34" charset="0"/>
+            </a:endParaRPr>
+          </a:p>
+        </p:txBody>
+      </p:sp>
+      <p:sp>
+        <p:nvSpPr>
+          <p:cNvPr id="4" name="7 Título">
+            <a:extLst>
+              <a:ext uri="{FF2B5EF4-FFF2-40B4-BE49-F238E27FC236}">
+                <a16:creationId xmlns:a16="http://schemas.microsoft.com/office/drawing/2014/main" id="{7681F7EE-0FD7-4C57-903C-CF43CA6A3559}"/>
+              </a:ext>
+            </a:extLst>
+          </p:cNvPr>
+          <p:cNvSpPr>
+            <a:spLocks noGrp="1"/>
+          </p:cNvSpPr>
+          <p:nvPr>
+            <p:ph type="title"/>
+          </p:nvPr>
+        </p:nvSpPr>
+        <p:spPr>
+          <a:xfrm>
+            <a:off x="933450" y="80963"/>
+            <a:ext cx="7912100" cy="1016000"/>
+          </a:xfrm>
+          <a:ln w="9525"/>
+        </p:spPr>
+        <p:txBody>
+          <a:bodyPr/>
+          <a:lstStyle/>
+          <a:p>
+            <a:r>
+              <a:rPr lang="es-ES" altLang="es-ES" sz="4400" dirty="0">
+                <a:solidFill>
+                  <a:srgbClr val="FFC000"/>
+                </a:solidFill>
+                <a:latin typeface="+mn-lt"/>
+              </a:rPr>
+              <a:t>MYPOCKET</a:t>
+            </a:r>
+            <a:r>
+              <a:rPr lang="es-ES" altLang="es-ES" sz="4400" dirty="0">
+                <a:latin typeface="+mn-lt"/>
+              </a:rPr>
+              <a:t>TRAINER</a:t>
+            </a:r>
+            <a:endParaRPr lang="es-ES" altLang="es-ES" sz="4400" b="0" dirty="0">
+              <a:latin typeface="+mn-lt"/>
+            </a:endParaRPr>
+          </a:p>
+        </p:txBody>
+      </p:sp>
+      <p:sp>
+        <p:nvSpPr>
+          <p:cNvPr id="2" name="Rectángulo 1">
+            <a:extLst>
+              <a:ext uri="{FF2B5EF4-FFF2-40B4-BE49-F238E27FC236}">
+                <a16:creationId xmlns:a16="http://schemas.microsoft.com/office/drawing/2014/main" id="{F6889641-ED9D-DE7B-4F2D-A90661D8AC07}"/>
+              </a:ext>
+            </a:extLst>
+          </p:cNvPr>
+          <p:cNvSpPr/>
+          <p:nvPr/>
+        </p:nvSpPr>
+        <p:spPr>
+          <a:xfrm>
+            <a:off x="971600" y="6489675"/>
+            <a:ext cx="1944216" cy="323701"/>
+          </a:xfrm>
+          <a:prstGeom prst="rect">
+            <a:avLst/>
+          </a:prstGeom>
+          <a:solidFill>
+            <a:schemeClr val="bg1"/>
+          </a:solidFill>
+          <a:ln>
+            <a:solidFill>
+              <a:schemeClr val="bg1"/>
+            </a:solidFill>
+          </a:ln>
+        </p:spPr>
+        <p:style>
+          <a:lnRef idx="2">
+            <a:schemeClr val="accent1">
+              <a:shade val="50000"/>
+            </a:schemeClr>
+          </a:lnRef>
+          <a:fillRef idx="1">
+            <a:schemeClr val="accent1"/>
+          </a:fillRef>
+          <a:effectRef idx="0">
+            <a:schemeClr val="accent1"/>
+          </a:effectRef>
+          <a:fontRef idx="minor">
+            <a:schemeClr val="lt1"/>
+          </a:fontRef>
+        </p:style>
+        <p:txBody>
+          <a:bodyPr rtlCol="0" anchor="ctr"/>
+          <a:lstStyle/>
+          <a:p>
+            <a:pPr algn="ctr"/>
+            <a:endParaRPr lang="es-ES"/>
+          </a:p>
+        </p:txBody>
+      </p:sp>
+      <p:sp>
+        <p:nvSpPr>
+          <p:cNvPr id="5" name="Rectángulo 4">
+            <a:extLst>
+              <a:ext uri="{FF2B5EF4-FFF2-40B4-BE49-F238E27FC236}">
+                <a16:creationId xmlns:a16="http://schemas.microsoft.com/office/drawing/2014/main" id="{88D95B33-4B6D-B229-C395-28E7EF7E4DB4}"/>
+              </a:ext>
+            </a:extLst>
+          </p:cNvPr>
+          <p:cNvSpPr/>
+          <p:nvPr/>
+        </p:nvSpPr>
+        <p:spPr>
+          <a:xfrm>
+            <a:off x="6201665" y="6488183"/>
+            <a:ext cx="1944216" cy="323701"/>
+          </a:xfrm>
+          <a:prstGeom prst="rect">
+            <a:avLst/>
+          </a:prstGeom>
+          <a:solidFill>
+            <a:schemeClr val="bg1"/>
+          </a:solidFill>
+          <a:ln>
+            <a:solidFill>
+              <a:schemeClr val="bg1"/>
+            </a:solidFill>
+          </a:ln>
+        </p:spPr>
+        <p:style>
+          <a:lnRef idx="2">
+            <a:schemeClr val="accent1">
+              <a:shade val="50000"/>
+            </a:schemeClr>
+          </a:lnRef>
+          <a:fillRef idx="1">
+            <a:schemeClr val="accent1"/>
+          </a:fillRef>
+          <a:effectRef idx="0">
+            <a:schemeClr val="accent1"/>
+          </a:effectRef>
+          <a:fontRef idx="minor">
+            <a:schemeClr val="lt1"/>
+          </a:fontRef>
+        </p:style>
+        <p:txBody>
+          <a:bodyPr rtlCol="0" anchor="ctr"/>
+          <a:lstStyle/>
+          <a:p>
+            <a:pPr algn="ctr"/>
+            <a:endParaRPr lang="es-ES"/>
+          </a:p>
+        </p:txBody>
+      </p:sp>
+    </p:spTree>
+    <p:extLst>
+      <p:ext uri="{BB962C8B-B14F-4D97-AF65-F5344CB8AC3E}">
+        <p14:creationId xmlns:p14="http://schemas.microsoft.com/office/powerpoint/2010/main" val="458804686"/>
+      </p:ext>
+    </p:extLst>
+  </p:cSld>
+  <p:clrMapOvr>
+    <a:masterClrMapping/>
+  </p:clrMapOvr>
+</p:sld>
+</file>
+
+<file path=ppt/slides/slide8.xml><?xml version="1.0" encoding="utf-8"?>
+<p:sld xmlns:a="http://schemas.openxmlformats.org/drawingml/2006/main" xmlns:r="http://schemas.openxmlformats.org/officeDocument/2006/relationships" xmlns:p="http://schemas.openxmlformats.org/presentationml/2006/main">
+  <p:cSld>
+    <p:spTree>
+      <p:nvGrpSpPr>
+        <p:cNvPr id="1" name=""/>
+        <p:cNvGrpSpPr/>
+        <p:nvPr/>
+      </p:nvGrpSpPr>
+      <p:grpSpPr>
+        <a:xfrm>
+          <a:off x="0" y="0"/>
+          <a:ext cx="0" cy="0"/>
+          <a:chOff x="0" y="0"/>
+          <a:chExt cx="0" cy="0"/>
+        </a:xfrm>
+      </p:grpSpPr>
+      <p:sp>
+        <p:nvSpPr>
           <p:cNvPr id="10243" name="3 Título"/>
           <p:cNvSpPr>
             <a:spLocks noGrp="1"/>
@@ -4581,7 +4867,7 @@
 </p:sld>
 </file>
 
-<file path=ppt/slides/slide8.xml><?xml version="1.0" encoding="utf-8"?>
+<file path=ppt/slides/slide9.xml><?xml version="1.0" encoding="utf-8"?>
 <p:sld xmlns:a="http://schemas.openxmlformats.org/drawingml/2006/main" xmlns:r="http://schemas.openxmlformats.org/officeDocument/2006/relationships" xmlns:p="http://schemas.openxmlformats.org/presentationml/2006/main">
   <p:cSld>
     <p:spTree>
@@ -5484,6 +5770,12 @@
 </file>
 
 <file path=customXml/item1.xml><?xml version="1.0" encoding="utf-8"?>
+<p:properties xmlns:p="http://schemas.microsoft.com/office/2006/metadata/properties" xmlns:xsi="http://www.w3.org/2001/XMLSchema-instance" xmlns:pc="http://schemas.microsoft.com/office/infopath/2007/PartnerControls">
+  <documentManagement/>
+</p:properties>
+</file>
+
+<file path=customXml/item2.xml><?xml version="1.0" encoding="utf-8"?>
 <ct:contentTypeSchema xmlns:ct="http://schemas.microsoft.com/office/2006/metadata/contentType" xmlns:ma="http://schemas.microsoft.com/office/2006/metadata/properties/metaAttributes" ct:_="" ma:_="" ma:contentTypeName="Documento" ma:contentTypeID="0x0101006CC76C4A95B3B04A89FD25958FF911B1" ma:contentTypeVersion="4" ma:contentTypeDescription="Crear nuevo documento." ma:contentTypeScope="" ma:versionID="92561f9821f04e209362c7d0cd0d7c34">
   <xsd:schema xmlns:xsd="http://www.w3.org/2001/XMLSchema" xmlns:xs="http://www.w3.org/2001/XMLSchema" xmlns:p="http://schemas.microsoft.com/office/2006/metadata/properties" xmlns:ns2="4602cd45-3de6-4977-bad0-3d2d2e366396" xmlns:ns3="920f9b03-bbea-4400-bacc-6d64224da6d2" targetNamespace="http://schemas.microsoft.com/office/2006/metadata/properties" ma:root="true" ma:fieldsID="72090c88daa195022fe7c92515fad49a" ns2:_="" ns3:_="">
     <xsd:import namespace="4602cd45-3de6-4977-bad0-3d2d2e366396"/>
@@ -5648,12 +5940,6 @@
 </ct:contentTypeSchema>
 </file>
 
-<file path=customXml/item2.xml><?xml version="1.0" encoding="utf-8"?>
-<p:properties xmlns:p="http://schemas.microsoft.com/office/2006/metadata/properties" xmlns:xsi="http://www.w3.org/2001/XMLSchema-instance" xmlns:pc="http://schemas.microsoft.com/office/infopath/2007/PartnerControls">
-  <documentManagement/>
-</p:properties>
-</file>
-
 <file path=customXml/item3.xml><?xml version="1.0" encoding="utf-8"?>
 <?mso-contentType ?>
 <FormTemplates xmlns="http://schemas.microsoft.com/sharepoint/v3/contenttype/forms">
@@ -5664,6 +5950,24 @@
 </file>
 
 <file path=customXml/itemProps1.xml><?xml version="1.0" encoding="utf-8"?>
+<ds:datastoreItem xmlns:ds="http://schemas.openxmlformats.org/officeDocument/2006/customXml" ds:itemID="{065C06F2-6811-4915-8A08-5BDC663684E5}">
+  <ds:schemaRefs>
+    <ds:schemaRef ds:uri="http://schemas.microsoft.com/office/2006/documentManagement/types"/>
+    <ds:schemaRef ds:uri="bc7df76d-1ee4-4d78-a88e-68f95700b072"/>
+    <ds:schemaRef ds:uri="http://purl.org/dc/elements/1.1/"/>
+    <ds:schemaRef ds:uri="http://schemas.microsoft.com/office/2006/metadata/properties"/>
+    <ds:schemaRef ds:uri="http://schemas.microsoft.com/sharepoint/v3"/>
+    <ds:schemaRef ds:uri="http://purl.org/dc/terms/"/>
+    <ds:schemaRef ds:uri="http://schemas.openxmlformats.org/package/2006/metadata/core-properties"/>
+    <ds:schemaRef ds:uri="4c902c7f-9db5-41e6-a829-9da83e17d0aa"/>
+    <ds:schemaRef ds:uri="http://schemas.microsoft.com/office/infopath/2007/PartnerControls"/>
+    <ds:schemaRef ds:uri="http://www.w3.org/XML/1998/namespace"/>
+    <ds:schemaRef ds:uri="http://purl.org/dc/dcmitype/"/>
+  </ds:schemaRefs>
+</ds:datastoreItem>
+</file>
+
+<file path=customXml/itemProps2.xml><?xml version="1.0" encoding="utf-8"?>
 <ds:datastoreItem xmlns:ds="http://schemas.openxmlformats.org/officeDocument/2006/customXml" ds:itemID="{42492B8F-ED6F-42A2-9F38-8476379243D9}">
   <ds:schemaRefs>
     <ds:schemaRef ds:uri="http://schemas.microsoft.com/office/2006/metadata/contentType"/>
@@ -5682,24 +5986,6 @@
 </ds:datastoreItem>
 </file>
 
-<file path=customXml/itemProps2.xml><?xml version="1.0" encoding="utf-8"?>
-<ds:datastoreItem xmlns:ds="http://schemas.openxmlformats.org/officeDocument/2006/customXml" ds:itemID="{065C06F2-6811-4915-8A08-5BDC663684E5}">
-  <ds:schemaRefs>
-    <ds:schemaRef ds:uri="http://schemas.microsoft.com/office/2006/documentManagement/types"/>
-    <ds:schemaRef ds:uri="bc7df76d-1ee4-4d78-a88e-68f95700b072"/>
-    <ds:schemaRef ds:uri="http://purl.org/dc/elements/1.1/"/>
-    <ds:schemaRef ds:uri="http://schemas.microsoft.com/office/2006/metadata/properties"/>
-    <ds:schemaRef ds:uri="http://schemas.microsoft.com/sharepoint/v3"/>
-    <ds:schemaRef ds:uri="http://purl.org/dc/terms/"/>
-    <ds:schemaRef ds:uri="http://schemas.openxmlformats.org/package/2006/metadata/core-properties"/>
-    <ds:schemaRef ds:uri="4c902c7f-9db5-41e6-a829-9da83e17d0aa"/>
-    <ds:schemaRef ds:uri="http://schemas.microsoft.com/office/infopath/2007/PartnerControls"/>
-    <ds:schemaRef ds:uri="http://www.w3.org/XML/1998/namespace"/>
-    <ds:schemaRef ds:uri="http://purl.org/dc/dcmitype/"/>
-  </ds:schemaRefs>
-</ds:datastoreItem>
-</file>
-
 <file path=customXml/itemProps3.xml><?xml version="1.0" encoding="utf-8"?>
 <ds:datastoreItem xmlns:ds="http://schemas.openxmlformats.org/officeDocument/2006/customXml" ds:itemID="{1F695B4F-A284-40CE-A208-D76DF5652542}">
   <ds:schemaRefs>
